--- a/Présentation1.pptx
+++ b/Présentation1.pptx
@@ -9,6 +9,9 @@
     <p:sldId id="257" r:id="rId3"/>
     <p:sldId id="258" r:id="rId4"/>
     <p:sldId id="259" r:id="rId5"/>
+    <p:sldId id="260" r:id="rId6"/>
+    <p:sldId id="261" r:id="rId7"/>
+    <p:sldId id="262" r:id="rId8"/>
   </p:sldIdLst>
   <p:sldSz cx="12192000" cy="6858000"/>
   <p:notesSz cx="6858000" cy="9144000"/>
@@ -107,6 +110,11 @@
       </a:defRPr>
     </a:lvl9pPr>
   </p:defaultTextStyle>
+  <p:extLst>
+    <p:ext uri="{EFAFB233-063F-42B5-8137-9DF3F51BA10A}">
+      <p15:sldGuideLst xmlns:p15="http://schemas.microsoft.com/office/powerpoint/2012/main"/>
+    </p:ext>
+  </p:extLst>
 </p:presentation>
 </file>
 
@@ -1033,7 +1041,7 @@
 <dgm:dataModel xmlns:dgm="http://schemas.openxmlformats.org/drawingml/2006/diagram" xmlns:a="http://schemas.openxmlformats.org/drawingml/2006/main">
   <dgm:ptLst>
     <dgm:pt modelId="{7D6BFDA6-64EC-4508-8AB7-3B2391D63A0B}" type="doc">
-      <dgm:prSet loTypeId="urn:microsoft.com/office/officeart/2008/layout/LinedList" loCatId="list" qsTypeId="urn:microsoft.com/office/officeart/2005/8/quickstyle/simple1" qsCatId="simple" csTypeId="urn:microsoft.com/office/officeart/2005/8/colors/colorful1" csCatId="colorful"/>
+      <dgm:prSet loTypeId="urn:microsoft.com/office/officeart/2008/layout/LinedList" loCatId="list" qsTypeId="urn:microsoft.com/office/officeart/2005/8/quickstyle/simple1" qsCatId="simple" csTypeId="urn:microsoft.com/office/officeart/2005/8/colors/colorful1" csCatId="colorful" phldr="1"/>
       <dgm:spPr/>
       <dgm:t>
         <a:bodyPr/>
@@ -1051,10 +1059,26 @@
         <a:lstStyle/>
         <a:p>
           <a:r>
-            <a:rPr lang="de-DE"/>
-            <a:t>Introduction</a:t>
+            <a:rPr lang="en-US" dirty="0" err="1"/>
+            <a:t>Pourquoi</a:t>
           </a:r>
-          <a:endParaRPr lang="en-US"/>
+          <a:r>
+            <a:rPr lang="en-US" dirty="0"/>
+            <a:t> </a:t>
+          </a:r>
+          <a:r>
+            <a:rPr lang="en-US" dirty="0" err="1"/>
+            <a:t>ce</a:t>
+          </a:r>
+          <a:r>
+            <a:rPr lang="en-US" dirty="0"/>
+            <a:t> </a:t>
+          </a:r>
+          <a:r>
+            <a:rPr lang="en-US" dirty="0" err="1"/>
+            <a:t>sujet</a:t>
+          </a:r>
+          <a:endParaRPr lang="en-US" dirty="0"/>
         </a:p>
       </dgm:t>
     </dgm:pt>
@@ -1125,10 +1149,10 @@
         <a:lstStyle/>
         <a:p>
           <a:r>
-            <a:rPr lang="de-DE"/>
-            <a:t>MCD</a:t>
+            <a:rPr lang="de-DE" dirty="0" err="1"/>
+            <a:t>Requêtes</a:t>
           </a:r>
-          <a:endParaRPr lang="en-US"/>
+          <a:endParaRPr lang="en-US" dirty="0"/>
         </a:p>
       </dgm:t>
     </dgm:pt>
@@ -1352,10 +1376,26 @@
             <a:buNone/>
           </a:pPr>
           <a:r>
-            <a:rPr lang="de-DE" sz="6500" kern="1200"/>
-            <a:t>Introduction</a:t>
+            <a:rPr lang="en-US" sz="6500" kern="1200" dirty="0" err="1"/>
+            <a:t>Pourquoi</a:t>
           </a:r>
-          <a:endParaRPr lang="en-US" sz="6500" kern="1200"/>
+          <a:r>
+            <a:rPr lang="en-US" sz="6500" kern="1200" dirty="0"/>
+            <a:t> </a:t>
+          </a:r>
+          <a:r>
+            <a:rPr lang="en-US" sz="6500" kern="1200" dirty="0" err="1"/>
+            <a:t>ce</a:t>
+          </a:r>
+          <a:r>
+            <a:rPr lang="en-US" sz="6500" kern="1200" dirty="0"/>
+            <a:t> </a:t>
+          </a:r>
+          <a:r>
+            <a:rPr lang="en-US" sz="6500" kern="1200" dirty="0" err="1"/>
+            <a:t>sujet</a:t>
+          </a:r>
+          <a:endParaRPr lang="en-US" sz="6500" kern="1200" dirty="0"/>
         </a:p>
       </dsp:txBody>
       <dsp:txXfrm>
@@ -1574,10 +1614,10 @@
             <a:buNone/>
           </a:pPr>
           <a:r>
-            <a:rPr lang="de-DE" sz="6500" kern="1200"/>
-            <a:t>MCD</a:t>
+            <a:rPr lang="de-DE" sz="6500" kern="1200" dirty="0" err="1"/>
+            <a:t>Requêtes</a:t>
           </a:r>
-          <a:endParaRPr lang="en-US" sz="6500" kern="1200"/>
+          <a:endParaRPr lang="en-US" sz="6500" kern="1200" dirty="0"/>
         </a:p>
       </dsp:txBody>
       <dsp:txXfrm>
@@ -3238,7 +3278,7 @@
           <a:p>
             <a:fld id="{9DF8CFF1-4CF4-440E-BC1D-EC1835C00DB5}" type="datetimeFigureOut">
               <a:rPr lang="de-DE" smtClean="0"/>
-              <a:t>26.02.2020</a:t>
+              <a:t>03.03.2020</a:t>
             </a:fld>
             <a:endParaRPr lang="de-DE"/>
           </a:p>
@@ -3438,7 +3478,7 @@
           <a:p>
             <a:fld id="{9DF8CFF1-4CF4-440E-BC1D-EC1835C00DB5}" type="datetimeFigureOut">
               <a:rPr lang="de-DE" smtClean="0"/>
-              <a:t>26.02.2020</a:t>
+              <a:t>03.03.2020</a:t>
             </a:fld>
             <a:endParaRPr lang="de-DE"/>
           </a:p>
@@ -3648,7 +3688,7 @@
           <a:p>
             <a:fld id="{9DF8CFF1-4CF4-440E-BC1D-EC1835C00DB5}" type="datetimeFigureOut">
               <a:rPr lang="de-DE" smtClean="0"/>
-              <a:t>26.02.2020</a:t>
+              <a:t>03.03.2020</a:t>
             </a:fld>
             <a:endParaRPr lang="de-DE"/>
           </a:p>
@@ -3848,7 +3888,7 @@
           <a:p>
             <a:fld id="{9DF8CFF1-4CF4-440E-BC1D-EC1835C00DB5}" type="datetimeFigureOut">
               <a:rPr lang="de-DE" smtClean="0"/>
-              <a:t>26.02.2020</a:t>
+              <a:t>03.03.2020</a:t>
             </a:fld>
             <a:endParaRPr lang="de-DE"/>
           </a:p>
@@ -4124,7 +4164,7 @@
           <a:p>
             <a:fld id="{9DF8CFF1-4CF4-440E-BC1D-EC1835C00DB5}" type="datetimeFigureOut">
               <a:rPr lang="de-DE" smtClean="0"/>
-              <a:t>26.02.2020</a:t>
+              <a:t>03.03.2020</a:t>
             </a:fld>
             <a:endParaRPr lang="de-DE"/>
           </a:p>
@@ -4392,7 +4432,7 @@
           <a:p>
             <a:fld id="{9DF8CFF1-4CF4-440E-BC1D-EC1835C00DB5}" type="datetimeFigureOut">
               <a:rPr lang="de-DE" smtClean="0"/>
-              <a:t>26.02.2020</a:t>
+              <a:t>03.03.2020</a:t>
             </a:fld>
             <a:endParaRPr lang="de-DE"/>
           </a:p>
@@ -4807,7 +4847,7 @@
           <a:p>
             <a:fld id="{9DF8CFF1-4CF4-440E-BC1D-EC1835C00DB5}" type="datetimeFigureOut">
               <a:rPr lang="de-DE" smtClean="0"/>
-              <a:t>26.02.2020</a:t>
+              <a:t>03.03.2020</a:t>
             </a:fld>
             <a:endParaRPr lang="de-DE"/>
           </a:p>
@@ -4949,7 +4989,7 @@
           <a:p>
             <a:fld id="{9DF8CFF1-4CF4-440E-BC1D-EC1835C00DB5}" type="datetimeFigureOut">
               <a:rPr lang="de-DE" smtClean="0"/>
-              <a:t>26.02.2020</a:t>
+              <a:t>03.03.2020</a:t>
             </a:fld>
             <a:endParaRPr lang="de-DE"/>
           </a:p>
@@ -5062,7 +5102,7 @@
           <a:p>
             <a:fld id="{9DF8CFF1-4CF4-440E-BC1D-EC1835C00DB5}" type="datetimeFigureOut">
               <a:rPr lang="de-DE" smtClean="0"/>
-              <a:t>26.02.2020</a:t>
+              <a:t>03.03.2020</a:t>
             </a:fld>
             <a:endParaRPr lang="de-DE"/>
           </a:p>
@@ -5375,7 +5415,7 @@
           <a:p>
             <a:fld id="{9DF8CFF1-4CF4-440E-BC1D-EC1835C00DB5}" type="datetimeFigureOut">
               <a:rPr lang="de-DE" smtClean="0"/>
-              <a:t>26.02.2020</a:t>
+              <a:t>03.03.2020</a:t>
             </a:fld>
             <a:endParaRPr lang="de-DE"/>
           </a:p>
@@ -5664,7 +5704,7 @@
           <a:p>
             <a:fld id="{9DF8CFF1-4CF4-440E-BC1D-EC1835C00DB5}" type="datetimeFigureOut">
               <a:rPr lang="de-DE" smtClean="0"/>
-              <a:t>26.02.2020</a:t>
+              <a:t>03.03.2020</a:t>
             </a:fld>
             <a:endParaRPr lang="de-DE"/>
           </a:p>
@@ -5907,7 +5947,7 @@
           <a:p>
             <a:fld id="{9DF8CFF1-4CF4-440E-BC1D-EC1835C00DB5}" type="datetimeFigureOut">
               <a:rPr lang="de-DE" smtClean="0"/>
-              <a:t>26.02.2020</a:t>
+              <a:t>03.03.2020</a:t>
             </a:fld>
             <a:endParaRPr lang="de-DE"/>
           </a:p>
@@ -6503,6 +6543,18 @@
   <p:clrMapOvr>
     <a:overrideClrMapping bg1="dk1" tx1="lt1" bg2="dk2" tx2="lt2" accent1="accent1" accent2="accent2" accent3="accent3" accent4="accent4" accent5="accent5" accent6="accent6" hlink="hlink" folHlink="folHlink"/>
   </p:clrMapOvr>
+  <mc:AlternateContent xmlns:mc="http://schemas.openxmlformats.org/markup-compatibility/2006">
+    <mc:Choice xmlns:p15="http://schemas.microsoft.com/office/powerpoint/2012/main" Requires="p15">
+      <p:transition xmlns:p14="http://schemas.microsoft.com/office/powerpoint/2010/main" spd="slow" p14:dur="6000">
+        <p15:prstTrans prst="curtains"/>
+      </p:transition>
+    </mc:Choice>
+    <mc:Fallback>
+      <p:transition spd="slow">
+        <p:fade/>
+      </p:transition>
+    </mc:Fallback>
+  </mc:AlternateContent>
 </p:sld>
 </file>
 
@@ -7180,7 +7232,7 @@
             <p:ph idx="1"/>
             <p:extLst>
               <p:ext uri="{D42A27DB-BD31-4B8C-83A1-F6EECF244321}">
-                <p14:modId xmlns:p14="http://schemas.microsoft.com/office/powerpoint/2010/main" val="4018550905"/>
+                <p14:modId xmlns:p14="http://schemas.microsoft.com/office/powerpoint/2010/main" val="830585281"/>
               </p:ext>
             </p:extLst>
           </p:nvPr>
@@ -7205,6 +7257,9 @@
   <p:clrMapOvr>
     <a:masterClrMapping/>
   </p:clrMapOvr>
+  <p:transition spd="slow">
+    <p:randomBar dir="vert"/>
+  </p:transition>
 </p:sld>
 </file>
 
@@ -8387,12 +8442,32 @@
   <p:clrMapOvr>
     <a:masterClrMapping/>
   </p:clrMapOvr>
+  <mc:AlternateContent xmlns:mc="http://schemas.openxmlformats.org/markup-compatibility/2006">
+    <mc:Choice xmlns:p14="http://schemas.microsoft.com/office/powerpoint/2010/main" Requires="p14">
+      <p:transition spd="med" p14:dur="700">
+        <p:fade/>
+      </p:transition>
+    </mc:Choice>
+    <mc:Fallback>
+      <p:transition spd="med">
+        <p:fade/>
+      </p:transition>
+    </mc:Fallback>
+  </mc:AlternateContent>
 </p:sld>
 </file>
 
 <file path=ppt/slides/slide4.xml><?xml version="1.0" encoding="utf-8"?>
 <p:sld xmlns:a="http://schemas.openxmlformats.org/drawingml/2006/main" xmlns:r="http://schemas.openxmlformats.org/officeDocument/2006/relationships" xmlns:p="http://schemas.openxmlformats.org/presentationml/2006/main">
   <p:cSld>
+    <p:bg>
+      <p:bgPr>
+        <a:solidFill>
+          <a:schemeClr val="bg1"/>
+        </a:solidFill>
+        <a:effectLst/>
+      </p:bgPr>
+    </p:bg>
     <p:spTree>
       <p:nvGrpSpPr>
         <p:cNvPr id="1" name=""/>
@@ -8409,6 +8484,72 @@
       </p:grpSpPr>
       <p:sp>
         <p:nvSpPr>
+          <p:cNvPr id="10" name="Rectangle 6">
+            <a:extLst>
+              <a:ext uri="{FF2B5EF4-FFF2-40B4-BE49-F238E27FC236}">
+                <a16:creationId xmlns:a16="http://schemas.microsoft.com/office/drawing/2014/main" id="{C3896A03-3945-419A-B66B-4EE266EDD152}"/>
+              </a:ext>
+              <a:ext uri="{C183D7F6-B498-43B3-948B-1728B52AA6E4}">
+                <adec:decorative xmlns:adec="http://schemas.microsoft.com/office/drawing/2017/decorative" val="1"/>
+              </a:ext>
+            </a:extLst>
+          </p:cNvPr>
+          <p:cNvSpPr>
+            <a:spLocks noGrp="1" noRot="1" noChangeAspect="1" noMove="1" noResize="1" noEditPoints="1" noAdjustHandles="1" noChangeArrowheads="1" noChangeShapeType="1" noTextEdit="1"/>
+          </p:cNvSpPr>
+          <p:nvPr>
+            <p:extLst>
+              <p:ext uri="{386F3935-93C4-4BCD-93E2-E3B085C9AB24}">
+                <p16:designElem xmlns:p16="http://schemas.microsoft.com/office/powerpoint/2015/main" val="1"/>
+              </p:ext>
+            </p:extLst>
+          </p:nvPr>
+        </p:nvSpPr>
+        <p:spPr>
+          <a:xfrm>
+            <a:off x="10" y="-1"/>
+            <a:ext cx="12191990" cy="3742599"/>
+          </a:xfrm>
+          <a:prstGeom prst="rect">
+            <a:avLst/>
+          </a:prstGeom>
+          <a:solidFill>
+            <a:schemeClr val="tx1">
+              <a:lumMod val="85000"/>
+              <a:lumOff val="15000"/>
+            </a:schemeClr>
+          </a:solidFill>
+          <a:ln>
+            <a:noFill/>
+          </a:ln>
+        </p:spPr>
+        <p:style>
+          <a:lnRef idx="2">
+            <a:schemeClr val="accent1">
+              <a:shade val="50000"/>
+            </a:schemeClr>
+          </a:lnRef>
+          <a:fillRef idx="1">
+            <a:schemeClr val="accent1"/>
+          </a:fillRef>
+          <a:effectRef idx="0">
+            <a:schemeClr val="accent1"/>
+          </a:effectRef>
+          <a:fontRef idx="minor">
+            <a:schemeClr val="lt1"/>
+          </a:fontRef>
+        </p:style>
+        <p:txBody>
+          <a:bodyPr rtlCol="0" anchor="ctr"/>
+          <a:lstStyle/>
+          <a:p>
+            <a:pPr algn="ctr"/>
+            <a:endParaRPr lang="en-US"/>
+          </a:p>
+        </p:txBody>
+      </p:sp>
+      <p:sp>
+        <p:nvSpPr>
           <p:cNvPr id="2" name="Titre 1">
             <a:extLst>
               <a:ext uri="{FF2B5EF4-FFF2-40B4-BE49-F238E27FC236}">
@@ -8423,15 +8564,157 @@
             <p:ph type="title"/>
           </p:nvPr>
         </p:nvSpPr>
-        <p:spPr/>
+        <p:spPr>
+          <a:xfrm>
+            <a:off x="1155558" y="637763"/>
+            <a:ext cx="9889797" cy="2874471"/>
+          </a:xfrm>
+        </p:spPr>
         <p:txBody>
-          <a:bodyPr/>
+          <a:bodyPr vert="horz" lIns="91440" tIns="45720" rIns="91440" bIns="45720" rtlCol="0" anchor="ctr">
+            <a:normAutofit/>
+          </a:bodyPr>
           <a:lstStyle/>
           <a:p>
             <a:r>
-              <a:rPr lang="de-DE" dirty="0"/>
-              <a:t>DESCRIPTION / MCD</a:t>
+              <a:rPr lang="en-US" sz="8000" kern="1200" dirty="0">
+                <a:solidFill>
+                  <a:schemeClr val="bg1"/>
+                </a:solidFill>
+                <a:latin typeface="+mj-lt"/>
+                <a:ea typeface="+mj-ea"/>
+                <a:cs typeface="+mj-cs"/>
+              </a:rPr>
+              <a:t>DESCRIPTION / EXPLICATION</a:t>
             </a:r>
+          </a:p>
+        </p:txBody>
+      </p:sp>
+      <p:sp>
+        <p:nvSpPr>
+          <p:cNvPr id="9" name="Rectangle 8">
+            <a:extLst>
+              <a:ext uri="{FF2B5EF4-FFF2-40B4-BE49-F238E27FC236}">
+                <a16:creationId xmlns:a16="http://schemas.microsoft.com/office/drawing/2014/main" id="{B34F5AD2-EDBD-4BBD-A55C-EAFFD0C7097A}"/>
+              </a:ext>
+              <a:ext uri="{C183D7F6-B498-43B3-948B-1728B52AA6E4}">
+                <adec:decorative xmlns:adec="http://schemas.microsoft.com/office/drawing/2017/decorative" val="1"/>
+              </a:ext>
+            </a:extLst>
+          </p:cNvPr>
+          <p:cNvSpPr>
+            <a:spLocks noGrp="1" noRot="1" noChangeAspect="1" noMove="1" noResize="1" noEditPoints="1" noAdjustHandles="1" noChangeArrowheads="1" noChangeShapeType="1" noTextEdit="1"/>
+          </p:cNvSpPr>
+          <p:nvPr>
+            <p:extLst>
+              <p:ext uri="{386F3935-93C4-4BCD-93E2-E3B085C9AB24}">
+                <p16:designElem xmlns:p16="http://schemas.microsoft.com/office/powerpoint/2015/main" val="1"/>
+              </p:ext>
+            </p:extLst>
+          </p:nvPr>
+        </p:nvSpPr>
+        <p:spPr>
+          <a:xfrm>
+            <a:off x="10" y="3742597"/>
+            <a:ext cx="12191990" cy="3115403"/>
+          </a:xfrm>
+          <a:prstGeom prst="rect">
+            <a:avLst/>
+          </a:prstGeom>
+          <a:solidFill>
+            <a:schemeClr val="bg1">
+              <a:lumMod val="95000"/>
+            </a:schemeClr>
+          </a:solidFill>
+          <a:ln>
+            <a:noFill/>
+          </a:ln>
+        </p:spPr>
+        <p:style>
+          <a:lnRef idx="2">
+            <a:schemeClr val="accent1">
+              <a:shade val="50000"/>
+            </a:schemeClr>
+          </a:lnRef>
+          <a:fillRef idx="1">
+            <a:schemeClr val="accent1"/>
+          </a:fillRef>
+          <a:effectRef idx="0">
+            <a:schemeClr val="accent1"/>
+          </a:effectRef>
+          <a:fontRef idx="minor">
+            <a:schemeClr val="lt1"/>
+          </a:fontRef>
+        </p:style>
+        <p:txBody>
+          <a:bodyPr rtlCol="0" anchor="ctr"/>
+          <a:lstStyle/>
+          <a:p>
+            <a:pPr algn="ctr"/>
+            <a:endParaRPr lang="en-US"/>
+          </a:p>
+        </p:txBody>
+      </p:sp>
+      <p:sp>
+        <p:nvSpPr>
+          <p:cNvPr id="11" name="Rectangle 10">
+            <a:extLst>
+              <a:ext uri="{FF2B5EF4-FFF2-40B4-BE49-F238E27FC236}">
+                <a16:creationId xmlns:a16="http://schemas.microsoft.com/office/drawing/2014/main" id="{6832F003-FCA6-4CFB-A2EA-308F3AA257D1}"/>
+              </a:ext>
+              <a:ext uri="{C183D7F6-B498-43B3-948B-1728B52AA6E4}">
+                <adec:decorative xmlns:adec="http://schemas.microsoft.com/office/drawing/2017/decorative" val="1"/>
+              </a:ext>
+            </a:extLst>
+          </p:cNvPr>
+          <p:cNvSpPr>
+            <a:spLocks noGrp="1" noRot="1" noChangeAspect="1" noMove="1" noResize="1" noEditPoints="1" noAdjustHandles="1" noChangeArrowheads="1" noChangeShapeType="1" noTextEdit="1"/>
+          </p:cNvSpPr>
+          <p:nvPr>
+            <p:extLst>
+              <p:ext uri="{386F3935-93C4-4BCD-93E2-E3B085C9AB24}">
+                <p16:designElem xmlns:p16="http://schemas.microsoft.com/office/powerpoint/2015/main" val="1"/>
+              </p:ext>
+            </p:extLst>
+          </p:nvPr>
+        </p:nvSpPr>
+        <p:spPr>
+          <a:xfrm>
+            <a:off x="1161180" y="4101097"/>
+            <a:ext cx="457200" cy="45720"/>
+          </a:xfrm>
+          <a:prstGeom prst="rect">
+            <a:avLst/>
+          </a:prstGeom>
+          <a:solidFill>
+            <a:schemeClr val="tx1"/>
+          </a:solidFill>
+          <a:ln>
+            <a:noFill/>
+          </a:ln>
+        </p:spPr>
+        <p:style>
+          <a:lnRef idx="2">
+            <a:schemeClr val="accent1">
+              <a:shade val="50000"/>
+            </a:schemeClr>
+          </a:lnRef>
+          <a:fillRef idx="1">
+            <a:schemeClr val="accent1"/>
+          </a:fillRef>
+          <a:effectRef idx="0">
+            <a:schemeClr val="accent1"/>
+          </a:effectRef>
+          <a:fontRef idx="minor">
+            <a:schemeClr val="lt1"/>
+          </a:fontRef>
+        </p:style>
+        <p:txBody>
+          <a:bodyPr rtlCol="0" anchor="ctr"/>
+          <a:lstStyle/>
+          <a:p>
+            <a:pPr algn="ctr"/>
+            <a:endParaRPr lang="en-US"/>
           </a:p>
         </p:txBody>
       </p:sp>
@@ -8445,6 +8728,1233 @@
   <p:clrMapOvr>
     <a:masterClrMapping/>
   </p:clrMapOvr>
+  <mc:AlternateContent xmlns:mc="http://schemas.openxmlformats.org/markup-compatibility/2006">
+    <mc:Choice xmlns:p14="http://schemas.microsoft.com/office/powerpoint/2010/main" Requires="p14">
+      <p:transition spd="slow" p14:dur="800">
+        <p:circle/>
+      </p:transition>
+    </mc:Choice>
+    <mc:Fallback>
+      <p:transition spd="slow">
+        <p:circle/>
+      </p:transition>
+    </mc:Fallback>
+  </mc:AlternateContent>
+</p:sld>
+</file>
+
+<file path=ppt/slides/slide5.xml><?xml version="1.0" encoding="utf-8"?>
+<p:sld xmlns:a="http://schemas.openxmlformats.org/drawingml/2006/main" xmlns:r="http://schemas.openxmlformats.org/officeDocument/2006/relationships" xmlns:p="http://schemas.openxmlformats.org/presentationml/2006/main">
+  <p:cSld>
+    <p:bg>
+      <p:bgPr>
+        <a:solidFill>
+          <a:schemeClr val="bg1"/>
+        </a:solidFill>
+        <a:effectLst/>
+      </p:bgPr>
+    </p:bg>
+    <p:spTree>
+      <p:nvGrpSpPr>
+        <p:cNvPr id="1" name=""/>
+        <p:cNvGrpSpPr/>
+        <p:nvPr/>
+      </p:nvGrpSpPr>
+      <p:grpSpPr>
+        <a:xfrm>
+          <a:off x="0" y="0"/>
+          <a:ext cx="0" cy="0"/>
+          <a:chOff x="0" y="0"/>
+          <a:chExt cx="0" cy="0"/>
+        </a:xfrm>
+      </p:grpSpPr>
+      <p:sp>
+        <p:nvSpPr>
+          <p:cNvPr id="7" name="Rectangle 6">
+            <a:extLst>
+              <a:ext uri="{FF2B5EF4-FFF2-40B4-BE49-F238E27FC236}">
+                <a16:creationId xmlns:a16="http://schemas.microsoft.com/office/drawing/2014/main" id="{01C9CC24-B375-4226-BF2B-61FADBBA696A}"/>
+              </a:ext>
+              <a:ext uri="{C183D7F6-B498-43B3-948B-1728B52AA6E4}">
+                <adec:decorative xmlns:adec="http://schemas.microsoft.com/office/drawing/2017/decorative" val="1"/>
+              </a:ext>
+            </a:extLst>
+          </p:cNvPr>
+          <p:cNvSpPr>
+            <a:spLocks noGrp="1" noRot="1" noChangeAspect="1" noMove="1" noResize="1" noEditPoints="1" noAdjustHandles="1" noChangeArrowheads="1" noChangeShapeType="1" noTextEdit="1"/>
+          </p:cNvSpPr>
+          <p:nvPr>
+            <p:extLst>
+              <p:ext uri="{386F3935-93C4-4BCD-93E2-E3B085C9AB24}">
+                <p16:designElem xmlns:p16="http://schemas.microsoft.com/office/powerpoint/2015/main" val="1"/>
+              </p:ext>
+            </p:extLst>
+          </p:nvPr>
+        </p:nvSpPr>
+        <p:spPr>
+          <a:xfrm>
+            <a:off x="0" y="0"/>
+            <a:ext cx="12192000" cy="6858000"/>
+          </a:xfrm>
+          <a:prstGeom prst="rect">
+            <a:avLst/>
+          </a:prstGeom>
+          <a:solidFill>
+            <a:srgbClr val="FFFFFF"/>
+          </a:solidFill>
+          <a:ln>
+            <a:noFill/>
+          </a:ln>
+        </p:spPr>
+        <p:style>
+          <a:lnRef idx="2">
+            <a:schemeClr val="accent1">
+              <a:shade val="50000"/>
+            </a:schemeClr>
+          </a:lnRef>
+          <a:fillRef idx="1">
+            <a:schemeClr val="accent1"/>
+          </a:fillRef>
+          <a:effectRef idx="0">
+            <a:schemeClr val="accent1"/>
+          </a:effectRef>
+          <a:fontRef idx="minor">
+            <a:schemeClr val="lt1"/>
+          </a:fontRef>
+        </p:style>
+        <p:txBody>
+          <a:bodyPr rtlCol="0" anchor="ctr"/>
+          <a:lstStyle/>
+          <a:p>
+            <a:pPr algn="ctr"/>
+            <a:endParaRPr lang="en-US"/>
+          </a:p>
+        </p:txBody>
+      </p:sp>
+      <p:sp>
+        <p:nvSpPr>
+          <p:cNvPr id="9" name="Rectangle 8">
+            <a:extLst>
+              <a:ext uri="{FF2B5EF4-FFF2-40B4-BE49-F238E27FC236}">
+                <a16:creationId xmlns:a16="http://schemas.microsoft.com/office/drawing/2014/main" id="{CD70A28E-4FD8-4474-A206-E15B5EBB303F}"/>
+              </a:ext>
+              <a:ext uri="{C183D7F6-B498-43B3-948B-1728B52AA6E4}">
+                <adec:decorative xmlns:adec="http://schemas.microsoft.com/office/drawing/2017/decorative" val="1"/>
+              </a:ext>
+            </a:extLst>
+          </p:cNvPr>
+          <p:cNvSpPr>
+            <a:spLocks noGrp="1" noRot="1" noChangeAspect="1" noMove="1" noResize="1" noEditPoints="1" noAdjustHandles="1" noChangeArrowheads="1" noChangeShapeType="1" noTextEdit="1"/>
+          </p:cNvSpPr>
+          <p:nvPr>
+            <p:extLst>
+              <p:ext uri="{386F3935-93C4-4BCD-93E2-E3B085C9AB24}">
+                <p16:designElem xmlns:p16="http://schemas.microsoft.com/office/powerpoint/2015/main" val="1"/>
+              </p:ext>
+            </p:extLst>
+          </p:nvPr>
+        </p:nvSpPr>
+        <p:spPr>
+          <a:xfrm>
+            <a:off x="3048" y="1084747"/>
+            <a:ext cx="12188952" cy="3294207"/>
+          </a:xfrm>
+          <a:prstGeom prst="rect">
+            <a:avLst/>
+          </a:prstGeom>
+          <a:gradFill>
+            <a:gsLst>
+              <a:gs pos="0">
+                <a:schemeClr val="accent1">
+                  <a:lumMod val="90000"/>
+                </a:schemeClr>
+              </a:gs>
+              <a:gs pos="25000">
+                <a:schemeClr val="accent1">
+                  <a:lumMod val="90000"/>
+                </a:schemeClr>
+              </a:gs>
+              <a:gs pos="94000">
+                <a:schemeClr val="bg2">
+                  <a:lumMod val="25000"/>
+                </a:schemeClr>
+              </a:gs>
+              <a:gs pos="100000">
+                <a:schemeClr val="bg2">
+                  <a:lumMod val="25000"/>
+                </a:schemeClr>
+              </a:gs>
+            </a:gsLst>
+            <a:lin ang="4200000" scaled="0"/>
+          </a:gradFill>
+          <a:ln>
+            <a:noFill/>
+          </a:ln>
+        </p:spPr>
+        <p:style>
+          <a:lnRef idx="2">
+            <a:schemeClr val="accent1">
+              <a:shade val="50000"/>
+            </a:schemeClr>
+          </a:lnRef>
+          <a:fillRef idx="1">
+            <a:schemeClr val="accent1"/>
+          </a:fillRef>
+          <a:effectRef idx="0">
+            <a:schemeClr val="accent1"/>
+          </a:effectRef>
+          <a:fontRef idx="minor">
+            <a:schemeClr val="lt1"/>
+          </a:fontRef>
+        </p:style>
+        <p:txBody>
+          <a:bodyPr rtlCol="0" anchor="ctr"/>
+          <a:lstStyle/>
+          <a:p>
+            <a:pPr algn="ctr"/>
+            <a:endParaRPr lang="en-US"/>
+          </a:p>
+        </p:txBody>
+      </p:sp>
+      <p:pic>
+        <p:nvPicPr>
+          <p:cNvPr id="11" name="Picture 10">
+            <a:extLst>
+              <a:ext uri="{FF2B5EF4-FFF2-40B4-BE49-F238E27FC236}">
+                <a16:creationId xmlns:a16="http://schemas.microsoft.com/office/drawing/2014/main" id="{39647E21-5366-4638-AC97-D8CD4111EB57}"/>
+              </a:ext>
+              <a:ext uri="{C183D7F6-B498-43B3-948B-1728B52AA6E4}">
+                <adec:decorative xmlns:adec="http://schemas.microsoft.com/office/drawing/2017/decorative" val="1"/>
+              </a:ext>
+            </a:extLst>
+          </p:cNvPr>
+          <p:cNvPicPr>
+            <a:picLocks noGrp="1" noRot="1" noChangeAspect="1" noMove="1" noResize="1" noEditPoints="1" noAdjustHandles="1" noChangeArrowheads="1" noChangeShapeType="1" noCrop="1"/>
+          </p:cNvPicPr>
+          <p:nvPr>
+            <p:extLst>
+              <p:ext uri="{386F3935-93C4-4BCD-93E2-E3B085C9AB24}">
+                <p16:designElem xmlns:p16="http://schemas.microsoft.com/office/powerpoint/2015/main" val="1"/>
+              </p:ext>
+            </p:extLst>
+          </p:nvPr>
+        </p:nvPicPr>
+        <p:blipFill>
+          <a:blip r:embed="rId2">
+            <a:extLst>
+              <a:ext uri="{28A0092B-C50C-407E-A947-70E740481C1C}">
+                <a14:useLocalDpi xmlns:a14="http://schemas.microsoft.com/office/drawing/2010/main" val="0"/>
+              </a:ext>
+            </a:extLst>
+          </a:blip>
+          <a:srcRect l="8235" r="8214" b="45501"/>
+          <a:stretch>
+            <a:fillRect/>
+          </a:stretch>
+        </p:blipFill>
+        <p:spPr>
+          <a:xfrm flipV="1">
+            <a:off x="0" y="0"/>
+            <a:ext cx="12191999" cy="4473360"/>
+          </a:xfrm>
+          <a:custGeom>
+            <a:avLst/>
+            <a:gdLst>
+              <a:gd name="connsiteX0" fmla="*/ 0 w 12191999"/>
+              <a:gd name="connsiteY0" fmla="*/ 4473360 h 4473360"/>
+              <a:gd name="connsiteX1" fmla="*/ 12191999 w 12191999"/>
+              <a:gd name="connsiteY1" fmla="*/ 4473360 h 4473360"/>
+              <a:gd name="connsiteX2" fmla="*/ 12191999 w 12191999"/>
+              <a:gd name="connsiteY2" fmla="*/ 0 h 4473360"/>
+              <a:gd name="connsiteX3" fmla="*/ 0 w 12191999"/>
+              <a:gd name="connsiteY3" fmla="*/ 0 h 4473360"/>
+            </a:gdLst>
+            <a:ahLst/>
+            <a:cxnLst>
+              <a:cxn ang="0">
+                <a:pos x="connsiteX0" y="connsiteY0"/>
+              </a:cxn>
+              <a:cxn ang="0">
+                <a:pos x="connsiteX1" y="connsiteY1"/>
+              </a:cxn>
+              <a:cxn ang="0">
+                <a:pos x="connsiteX2" y="connsiteY2"/>
+              </a:cxn>
+              <a:cxn ang="0">
+                <a:pos x="connsiteX3" y="connsiteY3"/>
+              </a:cxn>
+            </a:cxnLst>
+            <a:rect l="l" t="t" r="r" b="b"/>
+            <a:pathLst>
+              <a:path w="12191999" h="4473360">
+                <a:moveTo>
+                  <a:pt x="0" y="4473360"/>
+                </a:moveTo>
+                <a:lnTo>
+                  <a:pt x="12191999" y="4473360"/>
+                </a:lnTo>
+                <a:lnTo>
+                  <a:pt x="12191999" y="0"/>
+                </a:lnTo>
+                <a:lnTo>
+                  <a:pt x="0" y="0"/>
+                </a:lnTo>
+                <a:close/>
+              </a:path>
+            </a:pathLst>
+          </a:custGeom>
+        </p:spPr>
+      </p:pic>
+      <p:sp>
+        <p:nvSpPr>
+          <p:cNvPr id="2" name="Titre 1">
+            <a:extLst>
+              <a:ext uri="{FF2B5EF4-FFF2-40B4-BE49-F238E27FC236}">
+                <a16:creationId xmlns:a16="http://schemas.microsoft.com/office/drawing/2014/main" id="{199A07AC-32F5-4727-A079-E619B8D47B6A}"/>
+              </a:ext>
+            </a:extLst>
+          </p:cNvPr>
+          <p:cNvSpPr>
+            <a:spLocks noGrp="1"/>
+          </p:cNvSpPr>
+          <p:nvPr>
+            <p:ph type="title"/>
+          </p:nvPr>
+        </p:nvSpPr>
+        <p:spPr>
+          <a:xfrm>
+            <a:off x="753925" y="2076450"/>
+            <a:ext cx="10684151" cy="1345134"/>
+          </a:xfrm>
+        </p:spPr>
+        <p:txBody>
+          <a:bodyPr vert="horz" lIns="91440" tIns="45720" rIns="91440" bIns="45720" rtlCol="0" anchor="ctr">
+            <a:normAutofit/>
+          </a:bodyPr>
+          <a:lstStyle/>
+          <a:p>
+            <a:pPr algn="ctr"/>
+            <a:r>
+              <a:rPr lang="en-US" sz="5600" kern="1200">
+                <a:solidFill>
+                  <a:srgbClr val="FFFFFF"/>
+                </a:solidFill>
+                <a:latin typeface="+mj-lt"/>
+                <a:ea typeface="+mj-ea"/>
+                <a:cs typeface="+mj-cs"/>
+              </a:rPr>
+              <a:t>Requêtes</a:t>
+            </a:r>
+          </a:p>
+        </p:txBody>
+      </p:sp>
+    </p:spTree>
+    <p:extLst>
+      <p:ext uri="{BB962C8B-B14F-4D97-AF65-F5344CB8AC3E}">
+        <p14:creationId xmlns:p14="http://schemas.microsoft.com/office/powerpoint/2010/main" val="553316285"/>
+      </p:ext>
+    </p:extLst>
+  </p:cSld>
+  <p:clrMapOvr>
+    <a:masterClrMapping/>
+  </p:clrMapOvr>
+  <mc:AlternateContent xmlns:mc="http://schemas.openxmlformats.org/markup-compatibility/2006">
+    <mc:Choice xmlns:p15="http://schemas.microsoft.com/office/powerpoint/2012/main" Requires="p15">
+      <p:transition xmlns:p14="http://schemas.microsoft.com/office/powerpoint/2010/main" spd="slow" p14:dur="2000">
+        <p15:prstTrans prst="fracture"/>
+      </p:transition>
+    </mc:Choice>
+    <mc:Fallback>
+      <p:transition spd="slow">
+        <p:fade/>
+      </p:transition>
+    </mc:Fallback>
+  </mc:AlternateContent>
+</p:sld>
+</file>
+
+<file path=ppt/slides/slide6.xml><?xml version="1.0" encoding="utf-8"?>
+<p:sld xmlns:a="http://schemas.openxmlformats.org/drawingml/2006/main" xmlns:r="http://schemas.openxmlformats.org/officeDocument/2006/relationships" xmlns:p="http://schemas.openxmlformats.org/presentationml/2006/main">
+  <p:cSld>
+    <p:bg>
+      <p:bgPr>
+        <a:solidFill>
+          <a:schemeClr val="bg1"/>
+        </a:solidFill>
+        <a:effectLst/>
+      </p:bgPr>
+    </p:bg>
+    <p:spTree>
+      <p:nvGrpSpPr>
+        <p:cNvPr id="1" name=""/>
+        <p:cNvGrpSpPr/>
+        <p:nvPr/>
+      </p:nvGrpSpPr>
+      <p:grpSpPr>
+        <a:xfrm>
+          <a:off x="0" y="0"/>
+          <a:ext cx="0" cy="0"/>
+          <a:chOff x="0" y="0"/>
+          <a:chExt cx="0" cy="0"/>
+        </a:xfrm>
+      </p:grpSpPr>
+      <p:sp>
+        <p:nvSpPr>
+          <p:cNvPr id="15" name="Rectangle 14">
+            <a:extLst>
+              <a:ext uri="{FF2B5EF4-FFF2-40B4-BE49-F238E27FC236}">
+                <a16:creationId xmlns:a16="http://schemas.microsoft.com/office/drawing/2014/main" id="{8D70B121-56F4-4848-B38B-182089D909FA}"/>
+              </a:ext>
+              <a:ext uri="{C183D7F6-B498-43B3-948B-1728B52AA6E4}">
+                <adec:decorative xmlns:adec="http://schemas.microsoft.com/office/drawing/2017/decorative" val="1"/>
+              </a:ext>
+            </a:extLst>
+          </p:cNvPr>
+          <p:cNvSpPr>
+            <a:spLocks noGrp="1" noRot="1" noChangeAspect="1" noMove="1" noResize="1" noEditPoints="1" noAdjustHandles="1" noChangeArrowheads="1" noChangeShapeType="1" noTextEdit="1"/>
+          </p:cNvSpPr>
+          <p:nvPr>
+            <p:extLst>
+              <p:ext uri="{386F3935-93C4-4BCD-93E2-E3B085C9AB24}">
+                <p16:designElem xmlns:p16="http://schemas.microsoft.com/office/powerpoint/2015/main" val="1"/>
+              </p:ext>
+            </p:extLst>
+          </p:nvPr>
+        </p:nvSpPr>
+        <p:spPr bwMode="ltGray">
+          <a:xfrm>
+            <a:off x="321564" y="320040"/>
+            <a:ext cx="11548872" cy="6217920"/>
+          </a:xfrm>
+          <a:prstGeom prst="rect">
+            <a:avLst/>
+          </a:prstGeom>
+          <a:solidFill>
+            <a:schemeClr val="tx1">
+              <a:alpha val="8000"/>
+            </a:schemeClr>
+          </a:solidFill>
+          <a:ln w="127000" cap="sq" cmpd="thinThick">
+            <a:noFill/>
+          </a:ln>
+        </p:spPr>
+        <p:style>
+          <a:lnRef idx="2">
+            <a:schemeClr val="accent1">
+              <a:shade val="50000"/>
+            </a:schemeClr>
+          </a:lnRef>
+          <a:fillRef idx="1">
+            <a:schemeClr val="accent1"/>
+          </a:fillRef>
+          <a:effectRef idx="0">
+            <a:schemeClr val="accent1"/>
+          </a:effectRef>
+          <a:fontRef idx="minor">
+            <a:schemeClr val="lt1"/>
+          </a:fontRef>
+        </p:style>
+        <p:txBody>
+          <a:bodyPr rtlCol="0" anchor="ctr"/>
+          <a:lstStyle/>
+          <a:p>
+            <a:pPr algn="ctr"/>
+            <a:endParaRPr lang="en-US"/>
+          </a:p>
+        </p:txBody>
+      </p:sp>
+      <p:sp>
+        <p:nvSpPr>
+          <p:cNvPr id="2" name="Titre 1">
+            <a:extLst>
+              <a:ext uri="{FF2B5EF4-FFF2-40B4-BE49-F238E27FC236}">
+                <a16:creationId xmlns:a16="http://schemas.microsoft.com/office/drawing/2014/main" id="{8E5B7ED4-7D4D-47CF-908B-0D45DC864E9D}"/>
+              </a:ext>
+            </a:extLst>
+          </p:cNvPr>
+          <p:cNvSpPr>
+            <a:spLocks noGrp="1"/>
+          </p:cNvSpPr>
+          <p:nvPr>
+            <p:ph type="title"/>
+          </p:nvPr>
+        </p:nvSpPr>
+        <p:spPr>
+          <a:xfrm>
+            <a:off x="838200" y="963877"/>
+            <a:ext cx="3494362" cy="4930246"/>
+          </a:xfrm>
+        </p:spPr>
+        <p:txBody>
+          <a:bodyPr>
+            <a:normAutofit/>
+          </a:bodyPr>
+          <a:lstStyle/>
+          <a:p>
+            <a:pPr algn="r"/>
+            <a:r>
+              <a:rPr lang="de-DE">
+                <a:solidFill>
+                  <a:schemeClr val="accent1"/>
+                </a:solidFill>
+              </a:rPr>
+              <a:t>Membres</a:t>
+            </a:r>
+            <a:r>
+              <a:rPr lang="de-DE" dirty="0">
+                <a:solidFill>
+                  <a:schemeClr val="accent1"/>
+                </a:solidFill>
+              </a:rPr>
+              <a:t> du </a:t>
+            </a:r>
+            <a:r>
+              <a:rPr lang="de-DE">
+                <a:solidFill>
+                  <a:schemeClr val="accent1"/>
+                </a:solidFill>
+              </a:rPr>
+              <a:t>groupe</a:t>
+            </a:r>
+            <a:endParaRPr lang="de-DE" dirty="0">
+              <a:solidFill>
+                <a:schemeClr val="accent1"/>
+              </a:solidFill>
+            </a:endParaRPr>
+          </a:p>
+        </p:txBody>
+      </p:sp>
+      <p:cxnSp>
+        <p:nvCxnSpPr>
+          <p:cNvPr id="17" name="Straight Connector 16">
+            <a:extLst>
+              <a:ext uri="{FF2B5EF4-FFF2-40B4-BE49-F238E27FC236}">
+                <a16:creationId xmlns:a16="http://schemas.microsoft.com/office/drawing/2014/main" id="{2D72A2C9-F3CA-4216-8BAD-FA4C970C3C4E}"/>
+              </a:ext>
+              <a:ext uri="{C183D7F6-B498-43B3-948B-1728B52AA6E4}">
+                <adec:decorative xmlns:adec="http://schemas.microsoft.com/office/drawing/2017/decorative" val="1"/>
+              </a:ext>
+            </a:extLst>
+          </p:cNvPr>
+          <p:cNvCxnSpPr>
+            <a:cxnSpLocks noGrp="1" noRot="1" noChangeAspect="1" noMove="1" noResize="1" noEditPoints="1" noAdjustHandles="1" noChangeArrowheads="1" noChangeShapeType="1"/>
+          </p:cNvCxnSpPr>
+          <p:nvPr>
+            <p:extLst>
+              <p:ext uri="{386F3935-93C4-4BCD-93E2-E3B085C9AB24}">
+                <p16:designElem xmlns:p16="http://schemas.microsoft.com/office/powerpoint/2015/main" val="1"/>
+              </p:ext>
+            </p:extLst>
+          </p:nvPr>
+        </p:nvCxnSpPr>
+        <p:spPr>
+          <a:xfrm>
+            <a:off x="4654296" y="2057400"/>
+            <a:ext cx="0" cy="2743200"/>
+          </a:xfrm>
+          <a:prstGeom prst="line">
+            <a:avLst/>
+          </a:prstGeom>
+          <a:ln w="19050">
+            <a:solidFill>
+              <a:schemeClr val="tx1">
+                <a:lumMod val="85000"/>
+                <a:lumOff val="15000"/>
+              </a:schemeClr>
+            </a:solidFill>
+          </a:ln>
+        </p:spPr>
+        <p:style>
+          <a:lnRef idx="1">
+            <a:schemeClr val="accent1"/>
+          </a:lnRef>
+          <a:fillRef idx="0">
+            <a:schemeClr val="accent1"/>
+          </a:fillRef>
+          <a:effectRef idx="0">
+            <a:schemeClr val="accent1"/>
+          </a:effectRef>
+          <a:fontRef idx="minor">
+            <a:schemeClr val="tx1"/>
+          </a:fontRef>
+        </p:style>
+      </p:cxnSp>
+      <p:sp>
+        <p:nvSpPr>
+          <p:cNvPr id="3" name="Espace réservé du contenu 2">
+            <a:extLst>
+              <a:ext uri="{FF2B5EF4-FFF2-40B4-BE49-F238E27FC236}">
+                <a16:creationId xmlns:a16="http://schemas.microsoft.com/office/drawing/2014/main" id="{82097E86-4E4B-4A29-AF73-4B2B7D626733}"/>
+              </a:ext>
+            </a:extLst>
+          </p:cNvPr>
+          <p:cNvSpPr>
+            <a:spLocks noGrp="1"/>
+          </p:cNvSpPr>
+          <p:nvPr>
+            <p:ph idx="1"/>
+          </p:nvPr>
+        </p:nvSpPr>
+        <p:spPr>
+          <a:xfrm>
+            <a:off x="4976031" y="963877"/>
+            <a:ext cx="6377769" cy="4930246"/>
+          </a:xfrm>
+        </p:spPr>
+        <p:txBody>
+          <a:bodyPr anchor="ctr">
+            <a:normAutofit/>
+          </a:bodyPr>
+          <a:lstStyle/>
+          <a:p>
+            <a:r>
+              <a:rPr lang="de-DE" sz="2400" dirty="0"/>
+              <a:t>Eva-Johanna Herrlich (Gestion – Allemande)</a:t>
+            </a:r>
+          </a:p>
+          <a:p>
+            <a:r>
+              <a:rPr lang="de-DE" sz="2400" dirty="0" err="1"/>
+              <a:t>Yepmo</a:t>
+            </a:r>
+            <a:r>
+              <a:rPr lang="de-DE" sz="2400" dirty="0"/>
+              <a:t> Christopher (Info – </a:t>
+            </a:r>
+            <a:r>
+              <a:rPr lang="de-DE" sz="2400" dirty="0" err="1"/>
+              <a:t>Camerounais</a:t>
+            </a:r>
+            <a:r>
+              <a:rPr lang="de-DE" sz="2400" dirty="0"/>
+              <a:t>)</a:t>
+            </a:r>
+          </a:p>
+          <a:p>
+            <a:r>
+              <a:rPr lang="de-DE" sz="2400" dirty="0"/>
+              <a:t>Tom </a:t>
+            </a:r>
+            <a:r>
+              <a:rPr lang="de-DE" sz="2400" dirty="0" err="1"/>
+              <a:t>Naudin</a:t>
+            </a:r>
+            <a:r>
+              <a:rPr lang="de-DE" sz="2400" dirty="0"/>
+              <a:t> (Gestion – </a:t>
+            </a:r>
+            <a:r>
+              <a:rPr lang="de-DE" sz="2400" dirty="0" err="1"/>
+              <a:t>Francais</a:t>
+            </a:r>
+            <a:r>
+              <a:rPr lang="de-DE" sz="2400" dirty="0"/>
+              <a:t>) </a:t>
+            </a:r>
+          </a:p>
+        </p:txBody>
+      </p:sp>
+    </p:spTree>
+    <p:extLst>
+      <p:ext uri="{BB962C8B-B14F-4D97-AF65-F5344CB8AC3E}">
+        <p14:creationId xmlns:p14="http://schemas.microsoft.com/office/powerpoint/2010/main" val="19664415"/>
+      </p:ext>
+    </p:extLst>
+  </p:cSld>
+  <p:clrMapOvr>
+    <a:masterClrMapping/>
+  </p:clrMapOvr>
+  <mc:AlternateContent xmlns:mc="http://schemas.openxmlformats.org/markup-compatibility/2006">
+    <mc:Choice xmlns:p14="http://schemas.microsoft.com/office/powerpoint/2010/main" Requires="p14">
+      <p:transition spd="slow" p14:dur="1500">
+        <p:split orient="vert"/>
+      </p:transition>
+    </mc:Choice>
+    <mc:Fallback>
+      <p:transition spd="slow">
+        <p:split orient="vert"/>
+      </p:transition>
+    </mc:Fallback>
+  </mc:AlternateContent>
+</p:sld>
+</file>
+
+<file path=ppt/slides/slide7.xml><?xml version="1.0" encoding="utf-8"?>
+<p:sld xmlns:a="http://schemas.openxmlformats.org/drawingml/2006/main" xmlns:r="http://schemas.openxmlformats.org/officeDocument/2006/relationships" xmlns:p="http://schemas.openxmlformats.org/presentationml/2006/main">
+  <p:cSld>
+    <p:bg>
+      <p:bgPr>
+        <a:solidFill>
+          <a:schemeClr val="bg1"/>
+        </a:solidFill>
+        <a:effectLst/>
+      </p:bgPr>
+    </p:bg>
+    <p:spTree>
+      <p:nvGrpSpPr>
+        <p:cNvPr id="1" name=""/>
+        <p:cNvGrpSpPr/>
+        <p:nvPr/>
+      </p:nvGrpSpPr>
+      <p:grpSpPr>
+        <a:xfrm>
+          <a:off x="0" y="0"/>
+          <a:ext cx="0" cy="0"/>
+          <a:chOff x="0" y="0"/>
+          <a:chExt cx="0" cy="0"/>
+        </a:xfrm>
+      </p:grpSpPr>
+      <p:sp useBgFill="1">
+        <p:nvSpPr>
+          <p:cNvPr id="8" name="Rectangle 7">
+            <a:extLst>
+              <a:ext uri="{FF2B5EF4-FFF2-40B4-BE49-F238E27FC236}">
+                <a16:creationId xmlns:a16="http://schemas.microsoft.com/office/drawing/2014/main" id="{8D58E966-456A-48F4-81B4-C4D0C00206F1}"/>
+              </a:ext>
+              <a:ext uri="{C183D7F6-B498-43B3-948B-1728B52AA6E4}">
+                <adec:decorative xmlns:adec="http://schemas.microsoft.com/office/drawing/2017/decorative" val="1"/>
+              </a:ext>
+            </a:extLst>
+          </p:cNvPr>
+          <p:cNvSpPr>
+            <a:spLocks noGrp="1" noRot="1" noChangeAspect="1" noMove="1" noResize="1" noEditPoints="1" noAdjustHandles="1" noChangeArrowheads="1" noChangeShapeType="1" noTextEdit="1"/>
+          </p:cNvSpPr>
+          <p:nvPr>
+            <p:extLst>
+              <p:ext uri="{386F3935-93C4-4BCD-93E2-E3B085C9AB24}">
+                <p16:designElem xmlns:p16="http://schemas.microsoft.com/office/powerpoint/2015/main" val="1"/>
+              </p:ext>
+            </p:extLst>
+          </p:nvPr>
+        </p:nvSpPr>
+        <p:spPr>
+          <a:xfrm>
+            <a:off x="0" y="0"/>
+            <a:ext cx="12188952" cy="6858000"/>
+          </a:xfrm>
+          <a:prstGeom prst="rect">
+            <a:avLst/>
+          </a:prstGeom>
+          <a:ln>
+            <a:noFill/>
+          </a:ln>
+        </p:spPr>
+        <p:style>
+          <a:lnRef idx="2">
+            <a:schemeClr val="accent1">
+              <a:shade val="50000"/>
+            </a:schemeClr>
+          </a:lnRef>
+          <a:fillRef idx="1">
+            <a:schemeClr val="accent1"/>
+          </a:fillRef>
+          <a:effectRef idx="0">
+            <a:schemeClr val="accent1"/>
+          </a:effectRef>
+          <a:fontRef idx="minor">
+            <a:schemeClr val="lt1"/>
+          </a:fontRef>
+        </p:style>
+        <p:txBody>
+          <a:bodyPr rtlCol="0" anchor="ctr"/>
+          <a:lstStyle/>
+          <a:p>
+            <a:pPr algn="ctr"/>
+            <a:endParaRPr lang="en-US"/>
+          </a:p>
+        </p:txBody>
+      </p:sp>
+      <p:sp>
+        <p:nvSpPr>
+          <p:cNvPr id="10" name="Freeform 5">
+            <a:extLst>
+              <a:ext uri="{FF2B5EF4-FFF2-40B4-BE49-F238E27FC236}">
+                <a16:creationId xmlns:a16="http://schemas.microsoft.com/office/drawing/2014/main" id="{5523C670-74D7-4ED8-BA51-B6FB6557024C}"/>
+              </a:ext>
+              <a:ext uri="{C183D7F6-B498-43B3-948B-1728B52AA6E4}">
+                <adec:decorative xmlns:adec="http://schemas.microsoft.com/office/drawing/2017/decorative" val="1"/>
+              </a:ext>
+            </a:extLst>
+          </p:cNvPr>
+          <p:cNvSpPr>
+            <a:spLocks noGrp="1" noRot="1" noChangeAspect="1" noMove="1" noResize="1" noEditPoints="1" noAdjustHandles="1" noChangeArrowheads="1" noChangeShapeType="1" noTextEdit="1"/>
+          </p:cNvSpPr>
+          <p:nvPr>
+            <p:extLst>
+              <p:ext uri="{386F3935-93C4-4BCD-93E2-E3B085C9AB24}">
+                <p16:designElem xmlns:p16="http://schemas.microsoft.com/office/powerpoint/2015/main" val="1"/>
+              </p:ext>
+            </p:extLst>
+          </p:nvPr>
+        </p:nvSpPr>
+        <p:spPr bwMode="auto">
+          <a:xfrm>
+            <a:off x="6454331" y="1756600"/>
+            <a:ext cx="1080325" cy="4736395"/>
+          </a:xfrm>
+          <a:custGeom>
+            <a:avLst/>
+            <a:gdLst>
+              <a:gd name="T0" fmla="*/ 491 w 491"/>
+              <a:gd name="T1" fmla="*/ 2247 h 2732"/>
+              <a:gd name="T2" fmla="*/ 0 w 491"/>
+              <a:gd name="T3" fmla="*/ 2732 h 2732"/>
+              <a:gd name="T4" fmla="*/ 0 w 491"/>
+              <a:gd name="T5" fmla="*/ 486 h 2732"/>
+              <a:gd name="T6" fmla="*/ 491 w 491"/>
+              <a:gd name="T7" fmla="*/ 0 h 2732"/>
+              <a:gd name="T8" fmla="*/ 491 w 491"/>
+              <a:gd name="T9" fmla="*/ 2247 h 2732"/>
+            </a:gdLst>
+            <a:ahLst/>
+            <a:cxnLst>
+              <a:cxn ang="0">
+                <a:pos x="T0" y="T1"/>
+              </a:cxn>
+              <a:cxn ang="0">
+                <a:pos x="T2" y="T3"/>
+              </a:cxn>
+              <a:cxn ang="0">
+                <a:pos x="T4" y="T5"/>
+              </a:cxn>
+              <a:cxn ang="0">
+                <a:pos x="T6" y="T7"/>
+              </a:cxn>
+              <a:cxn ang="0">
+                <a:pos x="T8" y="T9"/>
+              </a:cxn>
+            </a:cxnLst>
+            <a:rect l="0" t="0" r="r" b="b"/>
+            <a:pathLst>
+              <a:path w="491" h="2732">
+                <a:moveTo>
+                  <a:pt x="491" y="2247"/>
+                </a:moveTo>
+                <a:lnTo>
+                  <a:pt x="0" y="2732"/>
+                </a:lnTo>
+                <a:lnTo>
+                  <a:pt x="0" y="486"/>
+                </a:lnTo>
+                <a:lnTo>
+                  <a:pt x="491" y="0"/>
+                </a:lnTo>
+                <a:lnTo>
+                  <a:pt x="491" y="2247"/>
+                </a:lnTo>
+                <a:close/>
+              </a:path>
+            </a:pathLst>
+          </a:custGeom>
+          <a:solidFill>
+            <a:schemeClr val="accent1">
+              <a:lumMod val="50000"/>
+            </a:schemeClr>
+          </a:solidFill>
+          <a:ln>
+            <a:noFill/>
+          </a:ln>
+        </p:spPr>
+        <p:txBody>
+          <a:bodyPr vert="horz" wrap="square" lIns="91440" tIns="45720" rIns="91440" bIns="45720" numCol="1" anchor="t" anchorCtr="0" compatLnSpc="1">
+            <a:prstTxWarp prst="textNoShape">
+              <a:avLst/>
+            </a:prstTxWarp>
+          </a:bodyPr>
+          <a:lstStyle/>
+          <a:p>
+            <a:endParaRPr lang="en-US"/>
+          </a:p>
+        </p:txBody>
+      </p:sp>
+      <p:sp>
+        <p:nvSpPr>
+          <p:cNvPr id="12" name="Freeform 6">
+            <a:extLst>
+              <a:ext uri="{FF2B5EF4-FFF2-40B4-BE49-F238E27FC236}">
+                <a16:creationId xmlns:a16="http://schemas.microsoft.com/office/drawing/2014/main" id="{BAEEE533-7CA5-4134-A14A-8575F66C6140}"/>
+              </a:ext>
+              <a:ext uri="{C183D7F6-B498-43B3-948B-1728B52AA6E4}">
+                <adec:decorative xmlns:adec="http://schemas.microsoft.com/office/drawing/2017/decorative" val="1"/>
+              </a:ext>
+            </a:extLst>
+          </p:cNvPr>
+          <p:cNvSpPr>
+            <a:spLocks noGrp="1" noRot="1" noChangeAspect="1" noMove="1" noResize="1" noEditPoints="1" noAdjustHandles="1" noChangeArrowheads="1" noChangeShapeType="1" noTextEdit="1"/>
+          </p:cNvSpPr>
+          <p:nvPr>
+            <p:extLst>
+              <p:ext uri="{386F3935-93C4-4BCD-93E2-E3B085C9AB24}">
+                <p16:designElem xmlns:p16="http://schemas.microsoft.com/office/powerpoint/2015/main" val="1"/>
+              </p:ext>
+            </p:extLst>
+          </p:nvPr>
+        </p:nvSpPr>
+        <p:spPr bwMode="auto">
+          <a:xfrm>
+            <a:off x="6846901" y="1357766"/>
+            <a:ext cx="687754" cy="4303125"/>
+          </a:xfrm>
+          <a:custGeom>
+            <a:avLst/>
+            <a:gdLst>
+              <a:gd name="T0" fmla="*/ 414 w 414"/>
+              <a:gd name="T1" fmla="*/ 2447 h 2447"/>
+              <a:gd name="T2" fmla="*/ 0 w 414"/>
+              <a:gd name="T3" fmla="*/ 2247 h 2447"/>
+              <a:gd name="T4" fmla="*/ 0 w 414"/>
+              <a:gd name="T5" fmla="*/ 0 h 2447"/>
+              <a:gd name="T6" fmla="*/ 414 w 414"/>
+              <a:gd name="T7" fmla="*/ 200 h 2447"/>
+              <a:gd name="T8" fmla="*/ 414 w 414"/>
+              <a:gd name="T9" fmla="*/ 2447 h 2447"/>
+            </a:gdLst>
+            <a:ahLst/>
+            <a:cxnLst>
+              <a:cxn ang="0">
+                <a:pos x="T0" y="T1"/>
+              </a:cxn>
+              <a:cxn ang="0">
+                <a:pos x="T2" y="T3"/>
+              </a:cxn>
+              <a:cxn ang="0">
+                <a:pos x="T4" y="T5"/>
+              </a:cxn>
+              <a:cxn ang="0">
+                <a:pos x="T6" y="T7"/>
+              </a:cxn>
+              <a:cxn ang="0">
+                <a:pos x="T8" y="T9"/>
+              </a:cxn>
+            </a:cxnLst>
+            <a:rect l="0" t="0" r="r" b="b"/>
+            <a:pathLst>
+              <a:path w="414" h="2447">
+                <a:moveTo>
+                  <a:pt x="414" y="2447"/>
+                </a:moveTo>
+                <a:lnTo>
+                  <a:pt x="0" y="2247"/>
+                </a:lnTo>
+                <a:lnTo>
+                  <a:pt x="0" y="0"/>
+                </a:lnTo>
+                <a:lnTo>
+                  <a:pt x="414" y="200"/>
+                </a:lnTo>
+                <a:lnTo>
+                  <a:pt x="414" y="2447"/>
+                </a:lnTo>
+                <a:close/>
+              </a:path>
+            </a:pathLst>
+          </a:custGeom>
+          <a:solidFill>
+            <a:schemeClr val="accent1">
+              <a:lumMod val="75000"/>
+            </a:schemeClr>
+          </a:solidFill>
+          <a:ln>
+            <a:noFill/>
+          </a:ln>
+        </p:spPr>
+        <p:txBody>
+          <a:bodyPr vert="horz" wrap="square" lIns="91440" tIns="45720" rIns="91440" bIns="45720" numCol="1" anchor="t" anchorCtr="0" compatLnSpc="1">
+            <a:prstTxWarp prst="textNoShape">
+              <a:avLst/>
+            </a:prstTxWarp>
+          </a:bodyPr>
+          <a:lstStyle/>
+          <a:p>
+            <a:endParaRPr lang="en-US"/>
+          </a:p>
+        </p:txBody>
+      </p:sp>
+      <p:sp>
+        <p:nvSpPr>
+          <p:cNvPr id="14" name="Freeform 7">
+            <a:extLst>
+              <a:ext uri="{FF2B5EF4-FFF2-40B4-BE49-F238E27FC236}">
+                <a16:creationId xmlns:a16="http://schemas.microsoft.com/office/drawing/2014/main" id="{E64B7817-E956-406B-A85B-5AEF36B1F50B}"/>
+              </a:ext>
+              <a:ext uri="{C183D7F6-B498-43B3-948B-1728B52AA6E4}">
+                <adec:decorative xmlns:adec="http://schemas.microsoft.com/office/drawing/2017/decorative" val="1"/>
+              </a:ext>
+            </a:extLst>
+          </p:cNvPr>
+          <p:cNvSpPr>
+            <a:spLocks noGrp="1" noRot="1" noChangeAspect="1" noMove="1" noResize="1" noEditPoints="1" noAdjustHandles="1" noChangeArrowheads="1" noChangeShapeType="1" noTextEdit="1"/>
+          </p:cNvSpPr>
+          <p:nvPr>
+            <p:extLst>
+              <p:ext uri="{386F3935-93C4-4BCD-93E2-E3B085C9AB24}">
+                <p16:designElem xmlns:p16="http://schemas.microsoft.com/office/powerpoint/2015/main" val="1"/>
+              </p:ext>
+            </p:extLst>
+          </p:nvPr>
+        </p:nvSpPr>
+        <p:spPr bwMode="auto">
+          <a:xfrm>
+            <a:off x="6848912" y="1135060"/>
+            <a:ext cx="409371" cy="4169215"/>
+          </a:xfrm>
+          <a:custGeom>
+            <a:avLst/>
+            <a:gdLst>
+              <a:gd name="T0" fmla="*/ 209 w 209"/>
+              <a:gd name="T1" fmla="*/ 2246 h 2358"/>
+              <a:gd name="T2" fmla="*/ 0 w 209"/>
+              <a:gd name="T3" fmla="*/ 2358 h 2358"/>
+              <a:gd name="T4" fmla="*/ 0 w 209"/>
+              <a:gd name="T5" fmla="*/ 111 h 2358"/>
+              <a:gd name="T6" fmla="*/ 209 w 209"/>
+              <a:gd name="T7" fmla="*/ 0 h 2358"/>
+              <a:gd name="T8" fmla="*/ 209 w 209"/>
+              <a:gd name="T9" fmla="*/ 2246 h 2358"/>
+            </a:gdLst>
+            <a:ahLst/>
+            <a:cxnLst>
+              <a:cxn ang="0">
+                <a:pos x="T0" y="T1"/>
+              </a:cxn>
+              <a:cxn ang="0">
+                <a:pos x="T2" y="T3"/>
+              </a:cxn>
+              <a:cxn ang="0">
+                <a:pos x="T4" y="T5"/>
+              </a:cxn>
+              <a:cxn ang="0">
+                <a:pos x="T6" y="T7"/>
+              </a:cxn>
+              <a:cxn ang="0">
+                <a:pos x="T8" y="T9"/>
+              </a:cxn>
+            </a:cxnLst>
+            <a:rect l="0" t="0" r="r" b="b"/>
+            <a:pathLst>
+              <a:path w="209" h="2358">
+                <a:moveTo>
+                  <a:pt x="209" y="2246"/>
+                </a:moveTo>
+                <a:lnTo>
+                  <a:pt x="0" y="2358"/>
+                </a:lnTo>
+                <a:lnTo>
+                  <a:pt x="0" y="111"/>
+                </a:lnTo>
+                <a:lnTo>
+                  <a:pt x="209" y="0"/>
+                </a:lnTo>
+                <a:lnTo>
+                  <a:pt x="209" y="2246"/>
+                </a:lnTo>
+                <a:close/>
+              </a:path>
+            </a:pathLst>
+          </a:custGeom>
+          <a:solidFill>
+            <a:schemeClr val="accent1">
+              <a:lumMod val="50000"/>
+            </a:schemeClr>
+          </a:solidFill>
+          <a:ln>
+            <a:noFill/>
+          </a:ln>
+        </p:spPr>
+        <p:txBody>
+          <a:bodyPr vert="horz" wrap="square" lIns="91440" tIns="45720" rIns="91440" bIns="45720" numCol="1" anchor="t" anchorCtr="0" compatLnSpc="1">
+            <a:prstTxWarp prst="textNoShape">
+              <a:avLst/>
+            </a:prstTxWarp>
+          </a:bodyPr>
+          <a:lstStyle/>
+          <a:p>
+            <a:endParaRPr lang="en-US"/>
+          </a:p>
+        </p:txBody>
+      </p:sp>
+      <p:sp>
+        <p:nvSpPr>
+          <p:cNvPr id="16" name="Rectangle 8">
+            <a:extLst>
+              <a:ext uri="{FF2B5EF4-FFF2-40B4-BE49-F238E27FC236}">
+                <a16:creationId xmlns:a16="http://schemas.microsoft.com/office/drawing/2014/main" id="{92FC9C1F-8CBA-4083-8724-3735C556D844}"/>
+              </a:ext>
+              <a:ext uri="{C183D7F6-B498-43B3-948B-1728B52AA6E4}">
+                <adec:decorative xmlns:adec="http://schemas.microsoft.com/office/drawing/2017/decorative" val="1"/>
+              </a:ext>
+            </a:extLst>
+          </p:cNvPr>
+          <p:cNvSpPr>
+            <a:spLocks noGrp="1" noRot="1" noChangeAspect="1" noMove="1" noResize="1" noEditPoints="1" noAdjustHandles="1" noChangeArrowheads="1" noChangeShapeType="1" noTextEdit="1"/>
+          </p:cNvSpPr>
+          <p:nvPr>
+            <p:extLst>
+              <p:ext uri="{386F3935-93C4-4BCD-93E2-E3B085C9AB24}">
+                <p16:designElem xmlns:p16="http://schemas.microsoft.com/office/powerpoint/2015/main" val="1"/>
+              </p:ext>
+            </p:extLst>
+          </p:nvPr>
+        </p:nvSpPr>
+        <p:spPr bwMode="auto">
+          <a:xfrm>
+            <a:off x="781691" y="1124043"/>
+            <a:ext cx="6477233" cy="3978121"/>
+          </a:xfrm>
+          <a:prstGeom prst="rect">
+            <a:avLst/>
+          </a:prstGeom>
+          <a:solidFill>
+            <a:schemeClr val="accent1"/>
+          </a:solidFill>
+          <a:ln>
+            <a:noFill/>
+          </a:ln>
+        </p:spPr>
+        <p:txBody>
+          <a:bodyPr vert="horz" wrap="square" lIns="91440" tIns="45720" rIns="91440" bIns="45720" numCol="1" anchor="t" anchorCtr="0" compatLnSpc="1">
+            <a:prstTxWarp prst="textNoShape">
+              <a:avLst/>
+            </a:prstTxWarp>
+          </a:bodyPr>
+          <a:lstStyle/>
+          <a:p>
+            <a:endParaRPr lang="en-US"/>
+          </a:p>
+        </p:txBody>
+      </p:sp>
+      <p:sp>
+        <p:nvSpPr>
+          <p:cNvPr id="2" name="Titre 1">
+            <a:extLst>
+              <a:ext uri="{FF2B5EF4-FFF2-40B4-BE49-F238E27FC236}">
+                <a16:creationId xmlns:a16="http://schemas.microsoft.com/office/drawing/2014/main" id="{26440279-A4CA-4CD2-B948-3EDB70FCFDFD}"/>
+              </a:ext>
+            </a:extLst>
+          </p:cNvPr>
+          <p:cNvSpPr>
+            <a:spLocks noGrp="1"/>
+          </p:cNvSpPr>
+          <p:nvPr>
+            <p:ph type="title"/>
+          </p:nvPr>
+        </p:nvSpPr>
+        <p:spPr>
+          <a:xfrm>
+            <a:off x="1371599" y="1445775"/>
+            <a:ext cx="5385391" cy="3342435"/>
+          </a:xfrm>
+        </p:spPr>
+        <p:txBody>
+          <a:bodyPr vert="horz" lIns="91440" tIns="45720" rIns="91440" bIns="45720" rtlCol="0" anchor="ctr">
+            <a:normAutofit/>
+          </a:bodyPr>
+          <a:lstStyle/>
+          <a:p>
+            <a:pPr algn="r"/>
+            <a:r>
+              <a:rPr lang="en-US" sz="6000" kern="1200" dirty="0">
+                <a:solidFill>
+                  <a:srgbClr val="FFFFFF"/>
+                </a:solidFill>
+                <a:latin typeface="+mj-lt"/>
+                <a:ea typeface="+mj-ea"/>
+                <a:cs typeface="+mj-cs"/>
+              </a:rPr>
+              <a:t>Fin </a:t>
+            </a:r>
+          </a:p>
+        </p:txBody>
+      </p:sp>
+      <p:sp>
+        <p:nvSpPr>
+          <p:cNvPr id="3" name="Espace réservé du contenu 2">
+            <a:extLst>
+              <a:ext uri="{FF2B5EF4-FFF2-40B4-BE49-F238E27FC236}">
+                <a16:creationId xmlns:a16="http://schemas.microsoft.com/office/drawing/2014/main" id="{8985F1AE-55B3-422E-BEC4-AC49DF21416F}"/>
+              </a:ext>
+            </a:extLst>
+          </p:cNvPr>
+          <p:cNvSpPr>
+            <a:spLocks noGrp="1"/>
+          </p:cNvSpPr>
+          <p:nvPr>
+            <p:ph idx="1"/>
+          </p:nvPr>
+        </p:nvSpPr>
+        <p:spPr>
+          <a:xfrm>
+            <a:off x="7927225" y="1483341"/>
+            <a:ext cx="3682853" cy="3472651"/>
+          </a:xfrm>
+        </p:spPr>
+        <p:txBody>
+          <a:bodyPr vert="horz" lIns="91440" tIns="45720" rIns="91440" bIns="45720" rtlCol="0" anchor="ctr">
+            <a:normAutofit/>
+          </a:bodyPr>
+          <a:lstStyle/>
+          <a:p>
+            <a:pPr marL="0" indent="0">
+              <a:buNone/>
+            </a:pPr>
+            <a:r>
+              <a:rPr lang="en-US" kern="1200" dirty="0">
+                <a:solidFill>
+                  <a:schemeClr val="tx1"/>
+                </a:solidFill>
+                <a:latin typeface="+mn-lt"/>
+                <a:ea typeface="+mn-ea"/>
+                <a:cs typeface="+mn-cs"/>
+              </a:rPr>
+              <a:t>Merci pour </a:t>
+            </a:r>
+            <a:r>
+              <a:rPr lang="en-US" kern="1200" dirty="0" err="1">
+                <a:solidFill>
+                  <a:schemeClr val="tx1"/>
+                </a:solidFill>
+                <a:latin typeface="+mn-lt"/>
+                <a:ea typeface="+mn-ea"/>
+                <a:cs typeface="+mn-cs"/>
+              </a:rPr>
+              <a:t>votre</a:t>
+            </a:r>
+            <a:r>
+              <a:rPr lang="en-US" kern="1200" dirty="0">
+                <a:solidFill>
+                  <a:schemeClr val="tx1"/>
+                </a:solidFill>
+                <a:latin typeface="+mn-lt"/>
+                <a:ea typeface="+mn-ea"/>
+                <a:cs typeface="+mn-cs"/>
+              </a:rPr>
+              <a:t> attention</a:t>
+            </a:r>
+          </a:p>
+        </p:txBody>
+      </p:sp>
+    </p:spTree>
+    <p:extLst>
+      <p:ext uri="{BB962C8B-B14F-4D97-AF65-F5344CB8AC3E}">
+        <p14:creationId xmlns:p14="http://schemas.microsoft.com/office/powerpoint/2010/main" val="2752444452"/>
+      </p:ext>
+    </p:extLst>
+  </p:cSld>
+  <p:clrMapOvr>
+    <a:masterClrMapping/>
+  </p:clrMapOvr>
+  <mc:AlternateContent xmlns:mc="http://schemas.openxmlformats.org/markup-compatibility/2006">
+    <mc:Choice xmlns:p14="http://schemas.microsoft.com/office/powerpoint/2010/main" Requires="p14">
+      <p:transition spd="slow" p14:dur="2000">
+        <p14:prism isContent="1"/>
+      </p:transition>
+    </mc:Choice>
+    <mc:Fallback>
+      <p:transition spd="slow">
+        <p:fade/>
+      </p:transition>
+    </mc:Fallback>
+  </mc:AlternateContent>
 </p:sld>
 </file>
 
